--- a/PS1.pptx
+++ b/PS1.pptx
@@ -16,9 +16,10 @@
     <p:sldId id="269" r:id="rId10"/>
     <p:sldId id="265" r:id="rId11"/>
     <p:sldId id="258" r:id="rId12"/>
-    <p:sldId id="260" r:id="rId13"/>
-    <p:sldId id="259" r:id="rId14"/>
-    <p:sldId id="261" r:id="rId15"/>
+    <p:sldId id="270" r:id="rId13"/>
+    <p:sldId id="260" r:id="rId14"/>
+    <p:sldId id="259" r:id="rId15"/>
+    <p:sldId id="261" r:id="rId16"/>
   </p:sldIdLst>
   <p:sldSz cx="12192000" cy="6858000"/>
   <p:notesSz cx="6858000" cy="9144000"/>
@@ -3614,7 +3615,7 @@
           <a:p>
             <a:r>
               <a:rPr lang="sk-SK" dirty="0"/>
-              <a:t>Plán práce</a:t>
+              <a:t>Plán práce 1/2</a:t>
             </a:r>
           </a:p>
         </p:txBody>
@@ -3643,7 +3644,7 @@
         </p:spPr>
         <p:txBody>
           <a:bodyPr>
-            <a:normAutofit fontScale="62500" lnSpcReduction="20000"/>
+            <a:normAutofit fontScale="92500" lnSpcReduction="10000"/>
           </a:bodyPr>
           <a:lstStyle/>
           <a:p>
@@ -3742,59 +3743,6 @@
               <a:rPr lang="sk-SK" dirty="0"/>
               <a:t>Kontrola syntaxe</a:t>
             </a:r>
-          </a:p>
-          <a:p>
-            <a:pPr lvl="2"/>
-            <a:r>
-              <a:rPr lang="sk-SK" dirty="0"/>
-              <a:t>Syntaktický analyzátor -</a:t>
-            </a:r>
-          </a:p>
-          <a:p>
-            <a:pPr lvl="3"/>
-            <a:r>
-              <a:rPr lang="sk-SK" dirty="0"/>
-              <a:t>funkcia, ktorá bude detegovať chyby</a:t>
-            </a:r>
-          </a:p>
-          <a:p>
-            <a:pPr lvl="2"/>
-            <a:r>
-              <a:rPr lang="sk-SK" dirty="0"/>
-              <a:t>Deklarovanie premenných</a:t>
-            </a:r>
-          </a:p>
-          <a:p>
-            <a:pPr lvl="2"/>
-            <a:r>
-              <a:rPr lang="sk-SK" dirty="0"/>
-              <a:t>Inicializácia premenných</a:t>
-            </a:r>
-          </a:p>
-          <a:p>
-            <a:pPr lvl="2"/>
-            <a:r>
-              <a:rPr lang="sk-SK" dirty="0"/>
-              <a:t>Finálny interpreter možný vykonávať algoritmus v jazyku UNITY</a:t>
-            </a:r>
-          </a:p>
-          <a:p>
-            <a:pPr lvl="1"/>
-            <a:r>
-              <a:rPr lang="sk-SK" dirty="0"/>
-              <a:t>Vyriešenie nedeterministického algoritmu</a:t>
-            </a:r>
-          </a:p>
-          <a:p>
-            <a:pPr lvl="1"/>
-            <a:r>
-              <a:rPr lang="sk-SK" dirty="0"/>
-              <a:t>Samotné vykonanie vstupu - donekonečna</a:t>
-            </a:r>
-          </a:p>
-          <a:p>
-            <a:pPr lvl="1"/>
-            <a:endParaRPr lang="sk-SK" dirty="0"/>
           </a:p>
           <a:p>
             <a:pPr lvl="1"/>
@@ -3837,7 +3785,7 @@
           <p:cNvPr id="2" name="Title 1">
             <a:extLst>
               <a:ext uri="{FF2B5EF4-FFF2-40B4-BE49-F238E27FC236}">
-                <a16:creationId xmlns:a16="http://schemas.microsoft.com/office/drawing/2014/main" id="{2191FADB-EC29-6E4F-9829-7F3BD958FCE8}"/>
+                <a16:creationId xmlns:a16="http://schemas.microsoft.com/office/drawing/2014/main" id="{5F84F120-ED45-594C-A83C-CB9C51CAF307}"/>
               </a:ext>
             </a:extLst>
           </p:cNvPr>
@@ -3855,7 +3803,7 @@
           <a:p>
             <a:r>
               <a:rPr lang="sk-SK" dirty="0"/>
-              <a:t>Aplikácia</a:t>
+              <a:t>Plán práce 2/2</a:t>
             </a:r>
           </a:p>
         </p:txBody>
@@ -3865,7 +3813,7 @@
           <p:cNvPr id="3" name="Content Placeholder 2">
             <a:extLst>
               <a:ext uri="{FF2B5EF4-FFF2-40B4-BE49-F238E27FC236}">
-                <a16:creationId xmlns:a16="http://schemas.microsoft.com/office/drawing/2014/main" id="{8C6837F8-5685-C945-9856-C9C00A706D2A}"/>
+                <a16:creationId xmlns:a16="http://schemas.microsoft.com/office/drawing/2014/main" id="{AB32FF15-9312-2C49-A1B9-B15E7B8BF3DB}"/>
               </a:ext>
             </a:extLst>
           </p:cNvPr>
@@ -3876,72 +3824,70 @@
             <p:ph idx="1"/>
           </p:nvPr>
         </p:nvSpPr>
-        <p:spPr/>
-        <p:txBody>
-          <a:bodyPr/>
-          <a:lstStyle/>
-          <a:p>
-            <a:r>
-              <a:rPr lang="sk-SK" dirty="0"/>
-              <a:t>Programovací jazyk - </a:t>
-            </a:r>
-            <a:r>
-              <a:rPr lang="sk-SK" dirty="0" err="1"/>
-              <a:t>Python</a:t>
-            </a:r>
-            <a:endParaRPr lang="sk-SK" dirty="0"/>
-          </a:p>
-          <a:p>
-            <a:r>
-              <a:rPr lang="sk-SK" dirty="0"/>
-              <a:t>GUI zabezpečí modul - PyQt5</a:t>
-            </a:r>
-          </a:p>
-          <a:p>
-            <a:r>
-              <a:rPr lang="sk-SK" dirty="0"/>
-              <a:t>Knižnice: os, re, pyqt5, </a:t>
-            </a:r>
-            <a:r>
-              <a:rPr lang="sk-SK" dirty="0" err="1"/>
-              <a:t>random</a:t>
-            </a:r>
-            <a:r>
-              <a:rPr lang="sk-SK" dirty="0"/>
-              <a:t>, </a:t>
-            </a:r>
-            <a:r>
-              <a:rPr lang="sk-SK" dirty="0" err="1"/>
-              <a:t>thread</a:t>
-            </a:r>
-            <a:endParaRPr lang="sk-SK" dirty="0"/>
-          </a:p>
-          <a:p>
-            <a:r>
-              <a:rPr lang="sk-SK" dirty="0"/>
-              <a:t>Knižnice, ktoré zabezpečia analýzu vstupu a kontrolu </a:t>
-            </a:r>
-            <a:r>
-              <a:rPr lang="sk-SK" dirty="0" err="1"/>
-              <a:t>syntaxu</a:t>
-            </a:r>
-            <a:r>
-              <a:rPr lang="sk-SK" dirty="0"/>
-              <a:t> budú prevažne vlastné</a:t>
-            </a:r>
-          </a:p>
-          <a:p>
-            <a:r>
-              <a:rPr lang="sk-SK" dirty="0" err="1"/>
-              <a:t>Nedeterminizmus</a:t>
-            </a:r>
-            <a:r>
-              <a:rPr lang="sk-SK" dirty="0"/>
-              <a:t> == Niekoľko možností vykonania programu</a:t>
-            </a:r>
-          </a:p>
-          <a:p>
-            <a:endParaRPr lang="sk-SK" dirty="0"/>
+        <p:spPr>
+          <a:xfrm>
+            <a:off x="838200" y="1825625"/>
+            <a:ext cx="10515600" cy="4351338"/>
+          </a:xfrm>
+        </p:spPr>
+        <p:txBody>
+          <a:bodyPr/>
+          <a:lstStyle/>
+          <a:p>
+            <a:pPr lvl="2"/>
+            <a:r>
+              <a:rPr lang="sk-SK" dirty="0"/>
+              <a:t>Syntaktický analyzátor -</a:t>
+            </a:r>
+          </a:p>
+          <a:p>
+            <a:pPr lvl="3"/>
+            <a:r>
+              <a:rPr lang="sk-SK" dirty="0"/>
+              <a:t>funkcia, ktorá bude detegovať chyby</a:t>
+            </a:r>
+          </a:p>
+          <a:p>
+            <a:pPr lvl="2"/>
+            <a:r>
+              <a:rPr lang="sk-SK" dirty="0"/>
+              <a:t>Deklarovanie premenných</a:t>
+            </a:r>
+          </a:p>
+          <a:p>
+            <a:pPr lvl="2"/>
+            <a:r>
+              <a:rPr lang="sk-SK" dirty="0"/>
+              <a:t>Inicializácia premenných</a:t>
+            </a:r>
+          </a:p>
+          <a:p>
+            <a:pPr lvl="2"/>
+            <a:r>
+              <a:rPr lang="sk-SK" dirty="0"/>
+              <a:t>Pevný bod - FP </a:t>
+            </a:r>
+          </a:p>
+          <a:p>
+            <a:pPr lvl="2"/>
+            <a:r>
+              <a:rPr lang="sk-SK" dirty="0"/>
+              <a:t>Finálny interpreter možný vykonávať algoritmus v jazyku UNITY</a:t>
+            </a:r>
+          </a:p>
+          <a:p>
+            <a:pPr lvl="1"/>
+            <a:r>
+              <a:rPr lang="sk-SK" dirty="0"/>
+              <a:t>Vyriešenie nedeterministického algoritmu</a:t>
+            </a:r>
+          </a:p>
+          <a:p>
+            <a:pPr lvl="1"/>
+            <a:r>
+              <a:rPr lang="sk-SK" dirty="0"/>
+              <a:t>Samotné vykonanie vstupu - donekonečna</a:t>
+            </a:r>
           </a:p>
           <a:p>
             <a:endParaRPr lang="sk-SK" dirty="0"/>
@@ -3951,7 +3897,7 @@
     </p:spTree>
     <p:extLst>
       <p:ext uri="{BB962C8B-B14F-4D97-AF65-F5344CB8AC3E}">
-        <p14:creationId xmlns:p14="http://schemas.microsoft.com/office/powerpoint/2010/main" val="3804513783"/>
+        <p14:creationId xmlns:p14="http://schemas.microsoft.com/office/powerpoint/2010/main" val="1845529156"/>
       </p:ext>
     </p:extLst>
   </p:cSld>
@@ -3983,6 +3929,139 @@
           <p:cNvPr id="2" name="Title 1">
             <a:extLst>
               <a:ext uri="{FF2B5EF4-FFF2-40B4-BE49-F238E27FC236}">
+                <a16:creationId xmlns:a16="http://schemas.microsoft.com/office/drawing/2014/main" id="{2191FADB-EC29-6E4F-9829-7F3BD958FCE8}"/>
+              </a:ext>
+            </a:extLst>
+          </p:cNvPr>
+          <p:cNvSpPr>
+            <a:spLocks noGrp="1"/>
+          </p:cNvSpPr>
+          <p:nvPr>
+            <p:ph type="title"/>
+          </p:nvPr>
+        </p:nvSpPr>
+        <p:spPr/>
+        <p:txBody>
+          <a:bodyPr/>
+          <a:lstStyle/>
+          <a:p>
+            <a:r>
+              <a:rPr lang="sk-SK" dirty="0"/>
+              <a:t>Aplikácia</a:t>
+            </a:r>
+          </a:p>
+        </p:txBody>
+      </p:sp>
+      <p:sp>
+        <p:nvSpPr>
+          <p:cNvPr id="3" name="Content Placeholder 2">
+            <a:extLst>
+              <a:ext uri="{FF2B5EF4-FFF2-40B4-BE49-F238E27FC236}">
+                <a16:creationId xmlns:a16="http://schemas.microsoft.com/office/drawing/2014/main" id="{8C6837F8-5685-C945-9856-C9C00A706D2A}"/>
+              </a:ext>
+            </a:extLst>
+          </p:cNvPr>
+          <p:cNvSpPr>
+            <a:spLocks noGrp="1"/>
+          </p:cNvSpPr>
+          <p:nvPr>
+            <p:ph idx="1"/>
+          </p:nvPr>
+        </p:nvSpPr>
+        <p:spPr/>
+        <p:txBody>
+          <a:bodyPr/>
+          <a:lstStyle/>
+          <a:p>
+            <a:r>
+              <a:rPr lang="sk-SK" dirty="0"/>
+              <a:t>Programovací jazyk - </a:t>
+            </a:r>
+            <a:r>
+              <a:rPr lang="sk-SK" dirty="0" err="1"/>
+              <a:t>Python</a:t>
+            </a:r>
+            <a:endParaRPr lang="sk-SK" dirty="0"/>
+          </a:p>
+          <a:p>
+            <a:r>
+              <a:rPr lang="sk-SK" dirty="0"/>
+              <a:t>GUI zabezpečí modul - PyQt5</a:t>
+            </a:r>
+          </a:p>
+          <a:p>
+            <a:r>
+              <a:rPr lang="sk-SK" dirty="0"/>
+              <a:t>Knižnice: os, re, pyqt5, </a:t>
+            </a:r>
+            <a:r>
+              <a:rPr lang="sk-SK" dirty="0" err="1"/>
+              <a:t>random</a:t>
+            </a:r>
+            <a:r>
+              <a:rPr lang="sk-SK" dirty="0"/>
+              <a:t>, </a:t>
+            </a:r>
+            <a:r>
+              <a:rPr lang="sk-SK" dirty="0" err="1"/>
+              <a:t>thread</a:t>
+            </a:r>
+            <a:endParaRPr lang="sk-SK" dirty="0"/>
+          </a:p>
+          <a:p>
+            <a:r>
+              <a:rPr lang="sk-SK" dirty="0"/>
+              <a:t>Knižnice, ktoré zabezpečia analýzu vstupu a kontrolu </a:t>
+            </a:r>
+            <a:r>
+              <a:rPr lang="sk-SK" dirty="0" err="1"/>
+              <a:t>syntaxu</a:t>
+            </a:r>
+            <a:r>
+              <a:rPr lang="sk-SK" dirty="0"/>
+              <a:t> budú prevažne vlastné</a:t>
+            </a:r>
+          </a:p>
+          <a:p>
+            <a:endParaRPr lang="sk-SK" dirty="0"/>
+          </a:p>
+        </p:txBody>
+      </p:sp>
+    </p:spTree>
+    <p:extLst>
+      <p:ext uri="{BB962C8B-B14F-4D97-AF65-F5344CB8AC3E}">
+        <p14:creationId xmlns:p14="http://schemas.microsoft.com/office/powerpoint/2010/main" val="3804513783"/>
+      </p:ext>
+    </p:extLst>
+  </p:cSld>
+  <p:clrMapOvr>
+    <a:masterClrMapping/>
+  </p:clrMapOvr>
+</p:sld>
+</file>
+
+<file path=ppt/slides/slide14.xml><?xml version="1.0" encoding="utf-8"?>
+<p:sld xmlns:a="http://schemas.openxmlformats.org/drawingml/2006/main" xmlns:r="http://schemas.openxmlformats.org/officeDocument/2006/relationships" xmlns:p="http://schemas.openxmlformats.org/presentationml/2006/main">
+  <p:cSld>
+    <p:spTree>
+      <p:nvGrpSpPr>
+        <p:cNvPr id="1" name=""/>
+        <p:cNvGrpSpPr/>
+        <p:nvPr/>
+      </p:nvGrpSpPr>
+      <p:grpSpPr>
+        <a:xfrm>
+          <a:off x="0" y="0"/>
+          <a:ext cx="0" cy="0"/>
+          <a:chOff x="0" y="0"/>
+          <a:chExt cx="0" cy="0"/>
+        </a:xfrm>
+      </p:grpSpPr>
+      <p:sp>
+        <p:nvSpPr>
+          <p:cNvPr id="2" name="Title 1">
+            <a:extLst>
+              <a:ext uri="{FF2B5EF4-FFF2-40B4-BE49-F238E27FC236}">
                 <a16:creationId xmlns:a16="http://schemas.microsoft.com/office/drawing/2014/main" id="{283A3910-ED92-044A-848C-D59E54ABE2BF}"/>
               </a:ext>
             </a:extLst>
@@ -4183,7 +4262,7 @@
 </p:sld>
 </file>
 
-<file path=ppt/slides/slide14.xml><?xml version="1.0" encoding="utf-8"?>
+<file path=ppt/slides/slide15.xml><?xml version="1.0" encoding="utf-8"?>
 <p:sld xmlns:a="http://schemas.openxmlformats.org/drawingml/2006/main" xmlns:r="http://schemas.openxmlformats.org/officeDocument/2006/relationships" xmlns:p="http://schemas.openxmlformats.org/presentationml/2006/main">
   <p:cSld>
     <p:spTree>
@@ -4682,10 +4761,9 @@
           <a:lstStyle/>
           <a:p>
             <a:r>
-              <a:rPr lang="sk-SK"/>
+              <a:rPr lang="sk-SK" dirty="0"/>
               <a:t>Štruktúra programov</a:t>
             </a:r>
-            <a:endParaRPr lang="sk-SK" dirty="0"/>
           </a:p>
         </p:txBody>
       </p:sp>
